--- a/Billing.ppt.pptx
+++ b/Billing.ppt.pptx
@@ -2,7 +2,7 @@
 <file path=ppt/presentation.xml><?xml version="1.0" encoding="utf-8"?>
 <p:presentation xmlns:a="http://schemas.openxmlformats.org/drawingml/2006/main" xmlns:r="http://schemas.openxmlformats.org/officeDocument/2006/relationships" xmlns:p="http://schemas.openxmlformats.org/presentationml/2006/main" saveSubsetFonts="1" autoCompressPictures="0">
   <p:sldMasterIdLst>
-    <p:sldMasterId id="2147483839" r:id="rId1"/>
+    <p:sldMasterId id="2147483888" r:id="rId1"/>
   </p:sldMasterIdLst>
   <p:sldIdLst>
     <p:sldId id="256" r:id="rId2"/>
@@ -12,7 +12,9 @@
     <p:sldId id="260" r:id="rId6"/>
     <p:sldId id="261" r:id="rId7"/>
     <p:sldId id="262" r:id="rId8"/>
-    <p:sldId id="263" r:id="rId9"/>
+    <p:sldId id="264" r:id="rId9"/>
+    <p:sldId id="263" r:id="rId10"/>
+    <p:sldId id="265" r:id="rId11"/>
   </p:sldIdLst>
   <p:sldSz cx="9144000" cy="5143500" type="screen16x9"/>
   <p:notesSz cx="6858000" cy="9144000"/>
@@ -314,7 +316,7 @@
     </p:spTree>
     <p:extLst>
       <p:ext uri="{BB962C8B-B14F-4D97-AF65-F5344CB8AC3E}">
-        <p14:creationId xmlns:p14="http://schemas.microsoft.com/office/powerpoint/2010/main" val="4181279631"/>
+        <p14:creationId xmlns:p14="http://schemas.microsoft.com/office/powerpoint/2010/main" val="3497836717"/>
       </p:ext>
     </p:extLst>
   </p:cSld>
@@ -601,7 +603,7 @@
     </p:spTree>
     <p:extLst>
       <p:ext uri="{BB962C8B-B14F-4D97-AF65-F5344CB8AC3E}">
-        <p14:creationId xmlns:p14="http://schemas.microsoft.com/office/powerpoint/2010/main" val="3048570425"/>
+        <p14:creationId xmlns:p14="http://schemas.microsoft.com/office/powerpoint/2010/main" val="2482067950"/>
       </p:ext>
     </p:extLst>
   </p:cSld>
@@ -793,7 +795,7 @@
     </p:spTree>
     <p:extLst>
       <p:ext uri="{BB962C8B-B14F-4D97-AF65-F5344CB8AC3E}">
-        <p14:creationId xmlns:p14="http://schemas.microsoft.com/office/powerpoint/2010/main" val="1127948987"/>
+        <p14:creationId xmlns:p14="http://schemas.microsoft.com/office/powerpoint/2010/main" val="1002824513"/>
       </p:ext>
     </p:extLst>
   </p:cSld>
@@ -1286,7 +1288,7 @@
     </p:spTree>
     <p:extLst>
       <p:ext uri="{BB962C8B-B14F-4D97-AF65-F5344CB8AC3E}">
-        <p14:creationId xmlns:p14="http://schemas.microsoft.com/office/powerpoint/2010/main" val="2515624330"/>
+        <p14:creationId xmlns:p14="http://schemas.microsoft.com/office/powerpoint/2010/main" val="2099343347"/>
       </p:ext>
     </p:extLst>
   </p:cSld>
@@ -1478,7 +1480,7 @@
     </p:spTree>
     <p:extLst>
       <p:ext uri="{BB962C8B-B14F-4D97-AF65-F5344CB8AC3E}">
-        <p14:creationId xmlns:p14="http://schemas.microsoft.com/office/powerpoint/2010/main" val="2047234282"/>
+        <p14:creationId xmlns:p14="http://schemas.microsoft.com/office/powerpoint/2010/main" val="743568977"/>
       </p:ext>
     </p:extLst>
   </p:cSld>
@@ -2024,7 +2026,7 @@
     </p:spTree>
     <p:extLst>
       <p:ext uri="{BB962C8B-B14F-4D97-AF65-F5344CB8AC3E}">
-        <p14:creationId xmlns:p14="http://schemas.microsoft.com/office/powerpoint/2010/main" val="1261994519"/>
+        <p14:creationId xmlns:p14="http://schemas.microsoft.com/office/powerpoint/2010/main" val="430411824"/>
       </p:ext>
     </p:extLst>
   </p:cSld>
@@ -2864,7 +2866,7 @@
     </p:spTree>
     <p:extLst>
       <p:ext uri="{BB962C8B-B14F-4D97-AF65-F5344CB8AC3E}">
-        <p14:creationId xmlns:p14="http://schemas.microsoft.com/office/powerpoint/2010/main" val="3216324688"/>
+        <p14:creationId xmlns:p14="http://schemas.microsoft.com/office/powerpoint/2010/main" val="1539041409"/>
       </p:ext>
     </p:extLst>
   </p:cSld>
@@ -3034,7 +3036,7 @@
     </p:spTree>
     <p:extLst>
       <p:ext uri="{BB962C8B-B14F-4D97-AF65-F5344CB8AC3E}">
-        <p14:creationId xmlns:p14="http://schemas.microsoft.com/office/powerpoint/2010/main" val="3564782511"/>
+        <p14:creationId xmlns:p14="http://schemas.microsoft.com/office/powerpoint/2010/main" val="3928185846"/>
       </p:ext>
     </p:extLst>
   </p:cSld>
@@ -3218,7 +3220,7 @@
     </p:spTree>
     <p:extLst>
       <p:ext uri="{BB962C8B-B14F-4D97-AF65-F5344CB8AC3E}">
-        <p14:creationId xmlns:p14="http://schemas.microsoft.com/office/powerpoint/2010/main" val="2880863112"/>
+        <p14:creationId xmlns:p14="http://schemas.microsoft.com/office/powerpoint/2010/main" val="3517318196"/>
       </p:ext>
     </p:extLst>
   </p:cSld>
@@ -3388,7 +3390,7 @@
     </p:spTree>
     <p:extLst>
       <p:ext uri="{BB962C8B-B14F-4D97-AF65-F5344CB8AC3E}">
-        <p14:creationId xmlns:p14="http://schemas.microsoft.com/office/powerpoint/2010/main" val="3147246747"/>
+        <p14:creationId xmlns:p14="http://schemas.microsoft.com/office/powerpoint/2010/main" val="1713327888"/>
       </p:ext>
     </p:extLst>
   </p:cSld>
@@ -3636,7 +3638,7 @@
     </p:spTree>
     <p:extLst>
       <p:ext uri="{BB962C8B-B14F-4D97-AF65-F5344CB8AC3E}">
-        <p14:creationId xmlns:p14="http://schemas.microsoft.com/office/powerpoint/2010/main" val="173254448"/>
+        <p14:creationId xmlns:p14="http://schemas.microsoft.com/office/powerpoint/2010/main" val="149797288"/>
       </p:ext>
     </p:extLst>
   </p:cSld>
@@ -3873,7 +3875,7 @@
     </p:spTree>
     <p:extLst>
       <p:ext uri="{BB962C8B-B14F-4D97-AF65-F5344CB8AC3E}">
-        <p14:creationId xmlns:p14="http://schemas.microsoft.com/office/powerpoint/2010/main" val="1000048011"/>
+        <p14:creationId xmlns:p14="http://schemas.microsoft.com/office/powerpoint/2010/main" val="4020934976"/>
       </p:ext>
     </p:extLst>
   </p:cSld>
@@ -4246,7 +4248,7 @@
     </p:spTree>
     <p:extLst>
       <p:ext uri="{BB962C8B-B14F-4D97-AF65-F5344CB8AC3E}">
-        <p14:creationId xmlns:p14="http://schemas.microsoft.com/office/powerpoint/2010/main" val="2692131317"/>
+        <p14:creationId xmlns:p14="http://schemas.microsoft.com/office/powerpoint/2010/main" val="347929901"/>
       </p:ext>
     </p:extLst>
   </p:cSld>
@@ -4364,7 +4366,7 @@
     </p:spTree>
     <p:extLst>
       <p:ext uri="{BB962C8B-B14F-4D97-AF65-F5344CB8AC3E}">
-        <p14:creationId xmlns:p14="http://schemas.microsoft.com/office/powerpoint/2010/main" val="922295205"/>
+        <p14:creationId xmlns:p14="http://schemas.microsoft.com/office/powerpoint/2010/main" val="926157123"/>
       </p:ext>
     </p:extLst>
   </p:cSld>
@@ -4459,7 +4461,7 @@
     </p:spTree>
     <p:extLst>
       <p:ext uri="{BB962C8B-B14F-4D97-AF65-F5344CB8AC3E}">
-        <p14:creationId xmlns:p14="http://schemas.microsoft.com/office/powerpoint/2010/main" val="1621942081"/>
+        <p14:creationId xmlns:p14="http://schemas.microsoft.com/office/powerpoint/2010/main" val="1041928743"/>
       </p:ext>
     </p:extLst>
   </p:cSld>
@@ -4710,7 +4712,7 @@
     </p:spTree>
     <p:extLst>
       <p:ext uri="{BB962C8B-B14F-4D97-AF65-F5344CB8AC3E}">
-        <p14:creationId xmlns:p14="http://schemas.microsoft.com/office/powerpoint/2010/main" val="493202219"/>
+        <p14:creationId xmlns:p14="http://schemas.microsoft.com/office/powerpoint/2010/main" val="1559493767"/>
       </p:ext>
     </p:extLst>
   </p:cSld>
@@ -4997,7 +4999,7 @@
     </p:spTree>
     <p:extLst>
       <p:ext uri="{BB962C8B-B14F-4D97-AF65-F5344CB8AC3E}">
-        <p14:creationId xmlns:p14="http://schemas.microsoft.com/office/powerpoint/2010/main" val="3307339772"/>
+        <p14:creationId xmlns:p14="http://schemas.microsoft.com/office/powerpoint/2010/main" val="1141719537"/>
       </p:ext>
     </p:extLst>
   </p:cSld>
@@ -5246,29 +5248,29 @@
     </p:spTree>
     <p:extLst>
       <p:ext uri="{BB962C8B-B14F-4D97-AF65-F5344CB8AC3E}">
-        <p14:creationId xmlns:p14="http://schemas.microsoft.com/office/powerpoint/2010/main" val="47427683"/>
+        <p14:creationId xmlns:p14="http://schemas.microsoft.com/office/powerpoint/2010/main" val="1535303133"/>
       </p:ext>
     </p:extLst>
   </p:cSld>
   <p:clrMap bg1="dk1" tx1="lt1" bg2="dk2" tx2="lt2" accent1="accent1" accent2="accent2" accent3="accent3" accent4="accent4" accent5="accent5" accent6="accent6" hlink="hlink" folHlink="folHlink"/>
   <p:sldLayoutIdLst>
-    <p:sldLayoutId id="2147483840" r:id="rId1"/>
-    <p:sldLayoutId id="2147483841" r:id="rId2"/>
-    <p:sldLayoutId id="2147483842" r:id="rId3"/>
-    <p:sldLayoutId id="2147483843" r:id="rId4"/>
-    <p:sldLayoutId id="2147483844" r:id="rId5"/>
-    <p:sldLayoutId id="2147483845" r:id="rId6"/>
-    <p:sldLayoutId id="2147483846" r:id="rId7"/>
-    <p:sldLayoutId id="2147483847" r:id="rId8"/>
-    <p:sldLayoutId id="2147483848" r:id="rId9"/>
-    <p:sldLayoutId id="2147483849" r:id="rId10"/>
-    <p:sldLayoutId id="2147483850" r:id="rId11"/>
-    <p:sldLayoutId id="2147483851" r:id="rId12"/>
-    <p:sldLayoutId id="2147483852" r:id="rId13"/>
-    <p:sldLayoutId id="2147483853" r:id="rId14"/>
-    <p:sldLayoutId id="2147483854" r:id="rId15"/>
-    <p:sldLayoutId id="2147483855" r:id="rId16"/>
-    <p:sldLayoutId id="2147483856" r:id="rId17"/>
+    <p:sldLayoutId id="2147483889" r:id="rId1"/>
+    <p:sldLayoutId id="2147483890" r:id="rId2"/>
+    <p:sldLayoutId id="2147483891" r:id="rId3"/>
+    <p:sldLayoutId id="2147483892" r:id="rId4"/>
+    <p:sldLayoutId id="2147483893" r:id="rId5"/>
+    <p:sldLayoutId id="2147483894" r:id="rId6"/>
+    <p:sldLayoutId id="2147483895" r:id="rId7"/>
+    <p:sldLayoutId id="2147483896" r:id="rId8"/>
+    <p:sldLayoutId id="2147483897" r:id="rId9"/>
+    <p:sldLayoutId id="2147483898" r:id="rId10"/>
+    <p:sldLayoutId id="2147483899" r:id="rId11"/>
+    <p:sldLayoutId id="2147483900" r:id="rId12"/>
+    <p:sldLayoutId id="2147483901" r:id="rId13"/>
+    <p:sldLayoutId id="2147483902" r:id="rId14"/>
+    <p:sldLayoutId id="2147483903" r:id="rId15"/>
+    <p:sldLayoutId id="2147483904" r:id="rId16"/>
+    <p:sldLayoutId id="2147483905" r:id="rId17"/>
   </p:sldLayoutIdLst>
   <p:txStyles>
     <p:titleStyle>
@@ -5720,18 +5722,111 @@
   <p:clrMapOvr>
     <a:masterClrMapping/>
   </p:clrMapOvr>
-  <mc:AlternateContent xmlns:mc="http://schemas.openxmlformats.org/markup-compatibility/2006">
-    <mc:Choice xmlns:p159="http://schemas.microsoft.com/office/powerpoint/2015/09/main" Requires="p159">
+  <mc:AlternateContent xmlns:mc="http://schemas.openxmlformats.org/markup-compatibility/2006" xmlns:p159="http://schemas.microsoft.com/office/powerpoint/2015/09/main">
+    <mc:Choice Requires="p159">
       <p:transition xmlns:p14="http://schemas.microsoft.com/office/powerpoint/2010/main" spd="slow" p14:dur="2000">
         <p159:morph option="byWord"/>
       </p:transition>
     </mc:Choice>
-    <mc:Fallback>
+    <mc:Fallback xmlns="">
       <p:transition spd="slow">
         <p:fade/>
       </p:transition>
     </mc:Fallback>
   </mc:AlternateContent>
+</p:sld>
+</file>
+
+<file path=ppt/slides/slide10.xml><?xml version="1.0" encoding="utf-8"?>
+<p:sld xmlns:a="http://schemas.openxmlformats.org/drawingml/2006/main" xmlns:r="http://schemas.openxmlformats.org/officeDocument/2006/relationships" xmlns:p="http://schemas.openxmlformats.org/presentationml/2006/main">
+  <p:cSld>
+    <p:spTree>
+      <p:nvGrpSpPr>
+        <p:cNvPr id="1" name=""/>
+        <p:cNvGrpSpPr/>
+        <p:nvPr/>
+      </p:nvGrpSpPr>
+      <p:grpSpPr>
+        <a:xfrm>
+          <a:off x="0" y="0"/>
+          <a:ext cx="0" cy="0"/>
+          <a:chOff x="0" y="0"/>
+          <a:chExt cx="0" cy="0"/>
+        </a:xfrm>
+      </p:grpSpPr>
+      <p:sp>
+        <p:nvSpPr>
+          <p:cNvPr id="2" name="Title 1">
+            <a:extLst>
+              <a:ext uri="{FF2B5EF4-FFF2-40B4-BE49-F238E27FC236}">
+                <a16:creationId xmlns:a16="http://schemas.microsoft.com/office/drawing/2014/main" id="{729C54C6-DF78-7BBA-AE49-B2C93CE18C6C}"/>
+              </a:ext>
+            </a:extLst>
+          </p:cNvPr>
+          <p:cNvSpPr>
+            <a:spLocks noGrp="1"/>
+          </p:cNvSpPr>
+          <p:nvPr>
+            <p:ph type="title"/>
+          </p:nvPr>
+        </p:nvSpPr>
+        <p:spPr/>
+        <p:txBody>
+          <a:bodyPr>
+            <a:normAutofit/>
+          </a:bodyPr>
+          <a:lstStyle/>
+          <a:p>
+            <a:r>
+              <a:rPr lang="en-IN" sz="8000" dirty="0">
+                <a:latin typeface="Arial Rounded MT Bold" panose="020F0704030504030204" pitchFamily="34" charset="0"/>
+              </a:rPr>
+              <a:t>THANK YOU</a:t>
+            </a:r>
+          </a:p>
+        </p:txBody>
+      </p:sp>
+      <p:sp>
+        <p:nvSpPr>
+          <p:cNvPr id="3" name="Text Placeholder 2">
+            <a:extLst>
+              <a:ext uri="{FF2B5EF4-FFF2-40B4-BE49-F238E27FC236}">
+                <a16:creationId xmlns:a16="http://schemas.microsoft.com/office/drawing/2014/main" id="{6E722E51-FB06-300D-2E1A-70713BD8E819}"/>
+              </a:ext>
+            </a:extLst>
+          </p:cNvPr>
+          <p:cNvSpPr>
+            <a:spLocks noGrp="1"/>
+          </p:cNvSpPr>
+          <p:nvPr>
+            <p:ph type="body" sz="half" idx="2"/>
+          </p:nvPr>
+        </p:nvSpPr>
+        <p:spPr/>
+        <p:txBody>
+          <a:bodyPr/>
+          <a:lstStyle/>
+          <a:p>
+            <a:r>
+              <a:rPr lang="en-IN"/>
+              <a:t> </a:t>
+            </a:r>
+          </a:p>
+        </p:txBody>
+      </p:sp>
+    </p:spTree>
+    <p:extLst>
+      <p:ext uri="{BB962C8B-B14F-4D97-AF65-F5344CB8AC3E}">
+        <p14:creationId xmlns:p14="http://schemas.microsoft.com/office/powerpoint/2010/main" val="771075544"/>
+      </p:ext>
+    </p:extLst>
+  </p:cSld>
+  <p:clrMapOvr>
+    <a:masterClrMapping/>
+  </p:clrMapOvr>
+  <p:transition spd="slow">
+    <p:wheel spokes="1"/>
+  </p:transition>
 </p:sld>
 </file>
 
@@ -5764,14 +5859,17 @@
         </p:nvSpPr>
         <p:spPr/>
         <p:txBody>
-          <a:bodyPr/>
+          <a:bodyPr>
+            <a:normAutofit/>
+          </a:bodyPr>
           <a:lstStyle/>
           <a:p>
             <a:pPr algn="l"/>
             <a:r>
-              <a:rPr sz="2200"/>
-              <a:t>DSLR Camera Cost and Discount Calculation</a:t>
-            </a:r>
+              <a:rPr lang="en-IN" sz="3600" dirty="0"/>
+              <a:t>TABLE OF CONTENTS:</a:t>
+            </a:r>
+            <a:endParaRPr sz="3600" dirty="0"/>
           </a:p>
         </p:txBody>
       </p:sp>
@@ -5787,41 +5885,92 @@
         </p:nvSpPr>
         <p:spPr/>
         <p:txBody>
-          <a:bodyPr/>
-          <a:lstStyle/>
-          <a:p>
-            <a:r>
-              <a:rPr sz="1400"/>
+          <a:bodyPr>
+            <a:normAutofit/>
+          </a:bodyPr>
+          <a:lstStyle/>
+          <a:p>
+            <a:pPr marL="0" indent="0">
+              <a:buNone/>
+            </a:pPr>
+            <a:r>
+              <a:rPr lang="en-IN" sz="1400" dirty="0"/>
+              <a:t>1.  </a:t>
+            </a:r>
+            <a:r>
+              <a:rPr sz="1400" dirty="0"/>
               <a:t>Introduction to DSLR Camera Billing Code</a:t>
             </a:r>
           </a:p>
           <a:p>
-            <a:r>
-              <a:rPr sz="1400"/>
+            <a:pPr marL="0" indent="0">
+              <a:buNone/>
+            </a:pPr>
+            <a:r>
+              <a:rPr lang="en-IN" sz="1400" dirty="0"/>
+              <a:t>2.  </a:t>
+            </a:r>
+            <a:r>
+              <a:rPr sz="1400" dirty="0"/>
               <a:t>Input and Discount Logic</a:t>
             </a:r>
           </a:p>
           <a:p>
-            <a:r>
-              <a:rPr sz="1400"/>
+            <a:pPr marL="0" indent="0">
+              <a:buNone/>
+            </a:pPr>
+            <a:r>
+              <a:rPr lang="en-IN" sz="1400" dirty="0"/>
+              <a:t>3.  </a:t>
+            </a:r>
+            <a:r>
+              <a:rPr sz="1400" dirty="0"/>
               <a:t>Calculations of Cost Components</a:t>
             </a:r>
           </a:p>
           <a:p>
-            <a:r>
-              <a:rPr sz="1400"/>
+            <a:pPr marL="0" indent="0">
+              <a:buNone/>
+            </a:pPr>
+            <a:r>
+              <a:rPr lang="en-IN" sz="1400" dirty="0"/>
+              <a:t>4.  </a:t>
+            </a:r>
+            <a:r>
+              <a:rPr sz="1400" dirty="0"/>
               <a:t>Final Total Payable Amount</a:t>
             </a:r>
           </a:p>
           <a:p>
-            <a:r>
-              <a:rPr sz="1400"/>
+            <a:pPr marL="342900" indent="-342900">
+              <a:buAutoNum type="arabicPeriod" startAt="5"/>
+            </a:pPr>
+            <a:r>
+              <a:rPr sz="1400" dirty="0"/>
               <a:t>Output and Billing Summary Display</a:t>
             </a:r>
-          </a:p>
-          <a:p>
-            <a:r>
-              <a:rPr sz="1400"/>
+            <a:endParaRPr lang="en-IN" sz="1400" dirty="0"/>
+          </a:p>
+          <a:p>
+            <a:pPr marL="342900" indent="-342900">
+              <a:buAutoNum type="arabicPeriod" startAt="5"/>
+            </a:pPr>
+            <a:r>
+              <a:rPr lang="en-IN" sz="1400" dirty="0"/>
+              <a:t>Sample Output</a:t>
+            </a:r>
+            <a:endParaRPr sz="1400" dirty="0"/>
+          </a:p>
+          <a:p>
+            <a:pPr marL="0" indent="0">
+              <a:buNone/>
+            </a:pPr>
+            <a:r>
+              <a:rPr lang="en-IN" sz="1400" dirty="0"/>
+              <a:t>7.  </a:t>
+            </a:r>
+            <a:r>
+              <a:rPr sz="1400" dirty="0"/>
               <a:t>Summary and Practical Applications</a:t>
             </a:r>
           </a:p>
@@ -5832,13 +5981,13 @@
   <p:clrMapOvr>
     <a:masterClrMapping/>
   </p:clrMapOvr>
-  <mc:AlternateContent xmlns:mc="http://schemas.openxmlformats.org/markup-compatibility/2006">
-    <mc:Choice xmlns:p15="http://schemas.microsoft.com/office/powerpoint/2012/main" Requires="p15">
+  <mc:AlternateContent xmlns:mc="http://schemas.openxmlformats.org/markup-compatibility/2006" xmlns:p15="http://schemas.microsoft.com/office/powerpoint/2012/main">
+    <mc:Choice Requires="p15">
       <p:transition xmlns:p14="http://schemas.microsoft.com/office/powerpoint/2010/main" spd="slow" p14:dur="2250">
         <p15:prstTrans prst="pageCurlDouble"/>
       </p:transition>
     </mc:Choice>
-    <mc:Fallback>
+    <mc:Fallback xmlns="">
       <p:transition spd="slow">
         <p:fade/>
       </p:transition>
@@ -5881,9 +6030,18 @@
           <a:p>
             <a:pPr algn="l"/>
             <a:r>
-              <a:rPr sz="2200"/>
+              <a:rPr lang="en-IN" sz="2200" dirty="0"/>
+              <a:t>1. </a:t>
+            </a:r>
+            <a:r>
+              <a:rPr sz="2200" dirty="0"/>
               <a:t>Introduction to DSLR Camera Billing Code</a:t>
             </a:r>
+            <a:r>
+              <a:rPr lang="en-IN" sz="2200" dirty="0"/>
+              <a:t> :</a:t>
+            </a:r>
+            <a:endParaRPr sz="2200" dirty="0"/>
           </a:p>
         </p:txBody>
       </p:sp>
@@ -5969,13 +6127,13 @@
   <p:clrMapOvr>
     <a:masterClrMapping/>
   </p:clrMapOvr>
-  <mc:AlternateContent xmlns:mc="http://schemas.openxmlformats.org/markup-compatibility/2006">
-    <mc:Choice xmlns:p15="http://schemas.microsoft.com/office/powerpoint/2012/main" Requires="p15">
+  <mc:AlternateContent xmlns:mc="http://schemas.openxmlformats.org/markup-compatibility/2006" xmlns:p15="http://schemas.microsoft.com/office/powerpoint/2012/main">
+    <mc:Choice Requires="p15">
       <p:transition xmlns:p14="http://schemas.microsoft.com/office/powerpoint/2010/main" spd="slow" p14:dur="1250">
         <p15:prstTrans prst="pageCurlDouble"/>
       </p:transition>
     </mc:Choice>
-    <mc:Fallback>
+    <mc:Fallback xmlns="">
       <p:transition spd="slow">
         <p:fade/>
       </p:transition>
@@ -6018,9 +6176,18 @@
           <a:p>
             <a:pPr algn="l"/>
             <a:r>
-              <a:rPr sz="2200"/>
+              <a:rPr lang="en-IN" sz="2200" dirty="0"/>
+              <a:t>2. </a:t>
+            </a:r>
+            <a:r>
+              <a:rPr sz="2200" dirty="0"/>
               <a:t>Input and Discount Logic</a:t>
             </a:r>
+            <a:r>
+              <a:rPr lang="en-IN" sz="2200" dirty="0"/>
+              <a:t> :</a:t>
+            </a:r>
+            <a:endParaRPr sz="2200" dirty="0"/>
           </a:p>
         </p:txBody>
       </p:sp>
@@ -6075,13 +6242,13 @@
   <p:clrMapOvr>
     <a:masterClrMapping/>
   </p:clrMapOvr>
-  <mc:AlternateContent xmlns:mc="http://schemas.openxmlformats.org/markup-compatibility/2006">
-    <mc:Choice xmlns:p15="http://schemas.microsoft.com/office/powerpoint/2012/main" Requires="p15">
+  <mc:AlternateContent xmlns:mc="http://schemas.openxmlformats.org/markup-compatibility/2006" xmlns:p15="http://schemas.microsoft.com/office/powerpoint/2012/main">
+    <mc:Choice Requires="p15">
       <p:transition xmlns:p14="http://schemas.microsoft.com/office/powerpoint/2010/main" spd="slow" p14:dur="1250">
         <p15:prstTrans prst="pageCurlDouble"/>
       </p:transition>
     </mc:Choice>
-    <mc:Fallback>
+    <mc:Fallback xmlns="">
       <p:transition spd="slow">
         <p:fade/>
       </p:transition>
@@ -6124,9 +6291,18 @@
           <a:p>
             <a:pPr algn="l"/>
             <a:r>
-              <a:rPr sz="2200"/>
+              <a:rPr lang="en-IN" sz="2200" dirty="0"/>
+              <a:t>3. </a:t>
+            </a:r>
+            <a:r>
+              <a:rPr sz="2200" dirty="0"/>
               <a:t>Calculations of Cost Components</a:t>
             </a:r>
+            <a:r>
+              <a:rPr lang="en-IN" sz="2200" dirty="0"/>
+              <a:t> :</a:t>
+            </a:r>
+            <a:endParaRPr sz="2200" dirty="0"/>
           </a:p>
         </p:txBody>
       </p:sp>
@@ -6181,13 +6357,13 @@
   <p:clrMapOvr>
     <a:masterClrMapping/>
   </p:clrMapOvr>
-  <mc:AlternateContent xmlns:mc="http://schemas.openxmlformats.org/markup-compatibility/2006">
-    <mc:Choice xmlns:p15="http://schemas.microsoft.com/office/powerpoint/2012/main" Requires="p15">
+  <mc:AlternateContent xmlns:mc="http://schemas.openxmlformats.org/markup-compatibility/2006" xmlns:p15="http://schemas.microsoft.com/office/powerpoint/2012/main">
+    <mc:Choice Requires="p15">
       <p:transition xmlns:p14="http://schemas.microsoft.com/office/powerpoint/2010/main" spd="slow" p14:dur="1250">
         <p15:prstTrans prst="pageCurlDouble"/>
       </p:transition>
     </mc:Choice>
-    <mc:Fallback>
+    <mc:Fallback xmlns="">
       <p:transition spd="slow">
         <p:fade/>
       </p:transition>
@@ -6230,9 +6406,18 @@
           <a:p>
             <a:pPr algn="l"/>
             <a:r>
-              <a:rPr sz="2200"/>
+              <a:rPr lang="en-IN" sz="2200" dirty="0"/>
+              <a:t>4. </a:t>
+            </a:r>
+            <a:r>
+              <a:rPr sz="2200" dirty="0"/>
               <a:t>Final Total Payable Amount</a:t>
             </a:r>
+            <a:r>
+              <a:rPr lang="en-IN" sz="2200" dirty="0"/>
+              <a:t> :</a:t>
+            </a:r>
+            <a:endParaRPr sz="2200" dirty="0"/>
           </a:p>
         </p:txBody>
       </p:sp>
@@ -6318,13 +6503,13 @@
   <p:clrMapOvr>
     <a:masterClrMapping/>
   </p:clrMapOvr>
-  <mc:AlternateContent xmlns:mc="http://schemas.openxmlformats.org/markup-compatibility/2006">
-    <mc:Choice xmlns:p15="http://schemas.microsoft.com/office/powerpoint/2012/main" Requires="p15">
+  <mc:AlternateContent xmlns:mc="http://schemas.openxmlformats.org/markup-compatibility/2006" xmlns:p15="http://schemas.microsoft.com/office/powerpoint/2012/main">
+    <mc:Choice Requires="p15">
       <p:transition xmlns:p14="http://schemas.microsoft.com/office/powerpoint/2010/main" spd="slow" p14:dur="1250">
         <p15:prstTrans prst="pageCurlDouble"/>
       </p:transition>
     </mc:Choice>
-    <mc:Fallback>
+    <mc:Fallback xmlns="">
       <p:transition spd="slow">
         <p:fade/>
       </p:transition>
@@ -6367,9 +6552,18 @@
           <a:p>
             <a:pPr algn="l"/>
             <a:r>
-              <a:rPr sz="2200"/>
+              <a:rPr lang="en-IN" sz="2200" dirty="0"/>
+              <a:t>5. </a:t>
+            </a:r>
+            <a:r>
+              <a:rPr sz="2200" dirty="0"/>
               <a:t>Output and Billing Summary Display</a:t>
             </a:r>
+            <a:r>
+              <a:rPr lang="en-IN" sz="2200" dirty="0"/>
+              <a:t> :</a:t>
+            </a:r>
+            <a:endParaRPr sz="2200" dirty="0"/>
           </a:p>
         </p:txBody>
       </p:sp>
@@ -6389,31 +6583,31 @@
           <a:lstStyle/>
           <a:p>
             <a:r>
-              <a:rPr sz="1400" b="1"/>
+              <a:rPr sz="1400" b="1" dirty="0"/>
               <a:t>Formatted Output Labels: </a:t>
             </a:r>
             <a:r>
-              <a:rPr sz="1400"/>
+              <a:rPr sz="1400" dirty="0"/>
               <a:t>Labels such as Total Cost, SGST, CGST, Discount, and Final Amount aid user understanding clearly.</a:t>
             </a:r>
           </a:p>
           <a:p>
             <a:r>
-              <a:rPr sz="1400" b="1"/>
+              <a:rPr sz="1400" b="1" dirty="0"/>
               <a:t>Clear User-Friendly Presentation: </a:t>
             </a:r>
             <a:r>
-              <a:rPr sz="1400"/>
+              <a:rPr sz="1400" dirty="0"/>
               <a:t>Formatted values with currency symbols and two decimals enhance readability and ensure billing transparency.</a:t>
             </a:r>
           </a:p>
           <a:p>
             <a:r>
-              <a:rPr sz="1400" b="1"/>
+              <a:rPr sz="1400" b="1" dirty="0"/>
               <a:t>Thank You Message Importance: </a:t>
             </a:r>
             <a:r>
-              <a:rPr sz="1400"/>
+              <a:rPr sz="1400" dirty="0"/>
               <a:t>Including a polite thank you note at output fosters positive customer experience and professional communication.</a:t>
             </a:r>
           </a:p>
@@ -6424,13 +6618,13 @@
   <p:clrMapOvr>
     <a:masterClrMapping/>
   </p:clrMapOvr>
-  <mc:AlternateContent xmlns:mc="http://schemas.openxmlformats.org/markup-compatibility/2006">
-    <mc:Choice xmlns:p15="http://schemas.microsoft.com/office/powerpoint/2012/main" Requires="p15">
+  <mc:AlternateContent xmlns:mc="http://schemas.openxmlformats.org/markup-compatibility/2006" xmlns:p15="http://schemas.microsoft.com/office/powerpoint/2012/main">
+    <mc:Choice Requires="p15">
       <p:transition xmlns:p14="http://schemas.microsoft.com/office/powerpoint/2010/main" spd="slow" p14:dur="1250">
         <p15:prstTrans prst="pageCurlDouble"/>
       </p:transition>
     </mc:Choice>
-    <mc:Fallback>
+    <mc:Fallback xmlns="">
       <p:transition spd="slow">
         <p:fade/>
       </p:transition>
@@ -6458,6 +6652,149 @@
       </p:grpSpPr>
       <p:sp>
         <p:nvSpPr>
+          <p:cNvPr id="2" name="Title 1">
+            <a:extLst>
+              <a:ext uri="{FF2B5EF4-FFF2-40B4-BE49-F238E27FC236}">
+                <a16:creationId xmlns:a16="http://schemas.microsoft.com/office/drawing/2014/main" id="{3EF22861-48A0-8067-8634-26BD766C796C}"/>
+              </a:ext>
+            </a:extLst>
+          </p:cNvPr>
+          <p:cNvSpPr>
+            <a:spLocks noGrp="1"/>
+          </p:cNvSpPr>
+          <p:nvPr>
+            <p:ph type="title"/>
+          </p:nvPr>
+        </p:nvSpPr>
+        <p:spPr>
+          <a:xfrm>
+            <a:off x="685347" y="457200"/>
+            <a:ext cx="3821853" cy="994741"/>
+          </a:xfrm>
+        </p:spPr>
+        <p:txBody>
+          <a:bodyPr/>
+          <a:lstStyle/>
+          <a:p>
+            <a:r>
+              <a:rPr lang="en-IN" dirty="0"/>
+              <a:t>6. SAMPLE </a:t>
+            </a:r>
+            <a:r>
+              <a:rPr lang="en-IN" dirty="0" err="1"/>
+              <a:t>OUtPUt</a:t>
+            </a:r>
+            <a:r>
+              <a:rPr lang="en-IN" dirty="0"/>
+              <a:t> :</a:t>
+            </a:r>
+          </a:p>
+        </p:txBody>
+      </p:sp>
+      <p:pic>
+        <p:nvPicPr>
+          <p:cNvPr id="5" name="Picture 4">
+            <a:extLst>
+              <a:ext uri="{FF2B5EF4-FFF2-40B4-BE49-F238E27FC236}">
+                <a16:creationId xmlns:a16="http://schemas.microsoft.com/office/drawing/2014/main" id="{152A9A75-7A63-B07B-66D1-AFDA67BDBFC8}"/>
+              </a:ext>
+            </a:extLst>
+          </p:cNvPr>
+          <p:cNvPicPr>
+            <a:picLocks noChangeAspect="1"/>
+          </p:cNvPicPr>
+          <p:nvPr/>
+        </p:nvPicPr>
+        <p:blipFill>
+          <a:blip r:embed="rId2"/>
+          <a:stretch>
+            <a:fillRect/>
+          </a:stretch>
+        </p:blipFill>
+        <p:spPr>
+          <a:xfrm>
+            <a:off x="308740" y="1193130"/>
+            <a:ext cx="5178647" cy="1612053"/>
+          </a:xfrm>
+          <a:prstGeom prst="rect">
+            <a:avLst/>
+          </a:prstGeom>
+        </p:spPr>
+      </p:pic>
+      <p:pic>
+        <p:nvPicPr>
+          <p:cNvPr id="8" name="Picture 7">
+            <a:extLst>
+              <a:ext uri="{FF2B5EF4-FFF2-40B4-BE49-F238E27FC236}">
+                <a16:creationId xmlns:a16="http://schemas.microsoft.com/office/drawing/2014/main" id="{F7EAE6FA-761A-7D99-BF6C-A282A606400F}"/>
+              </a:ext>
+            </a:extLst>
+          </p:cNvPr>
+          <p:cNvPicPr>
+            <a:picLocks noChangeAspect="1"/>
+          </p:cNvPicPr>
+          <p:nvPr/>
+        </p:nvPicPr>
+        <p:blipFill>
+          <a:blip r:embed="rId3"/>
+          <a:stretch>
+            <a:fillRect/>
+          </a:stretch>
+        </p:blipFill>
+        <p:spPr>
+          <a:xfrm>
+            <a:off x="2596273" y="2915637"/>
+            <a:ext cx="6072526" cy="1937163"/>
+          </a:xfrm>
+          <a:prstGeom prst="rect">
+            <a:avLst/>
+          </a:prstGeom>
+        </p:spPr>
+      </p:pic>
+    </p:spTree>
+    <p:extLst>
+      <p:ext uri="{BB962C8B-B14F-4D97-AF65-F5344CB8AC3E}">
+        <p14:creationId xmlns:p14="http://schemas.microsoft.com/office/powerpoint/2010/main" val="444768137"/>
+      </p:ext>
+    </p:extLst>
+  </p:cSld>
+  <p:clrMapOvr>
+    <a:masterClrMapping/>
+  </p:clrMapOvr>
+  <mc:AlternateContent xmlns:mc="http://schemas.openxmlformats.org/markup-compatibility/2006" xmlns:p15="http://schemas.microsoft.com/office/powerpoint/2012/main">
+    <mc:Choice Requires="p15">
+      <p:transition xmlns:p14="http://schemas.microsoft.com/office/powerpoint/2010/main" spd="slow" p14:dur="1250">
+        <p15:prstTrans prst="pageCurlDouble"/>
+      </p:transition>
+    </mc:Choice>
+    <mc:Fallback xmlns="">
+      <p:transition spd="slow">
+        <p:fade/>
+      </p:transition>
+    </mc:Fallback>
+  </mc:AlternateContent>
+</p:sld>
+</file>
+
+<file path=ppt/slides/slide9.xml><?xml version="1.0" encoding="utf-8"?>
+<p:sld xmlns:a="http://schemas.openxmlformats.org/drawingml/2006/main" xmlns:r="http://schemas.openxmlformats.org/officeDocument/2006/relationships" xmlns:p="http://schemas.openxmlformats.org/presentationml/2006/main">
+  <p:cSld>
+    <p:spTree>
+      <p:nvGrpSpPr>
+        <p:cNvPr id="1" name=""/>
+        <p:cNvGrpSpPr/>
+        <p:nvPr/>
+      </p:nvGrpSpPr>
+      <p:grpSpPr>
+        <a:xfrm>
+          <a:off x="0" y="0"/>
+          <a:ext cx="0" cy="0"/>
+          <a:chOff x="0" y="0"/>
+          <a:chExt cx="0" cy="0"/>
+        </a:xfrm>
+      </p:grpSpPr>
+      <p:sp>
+        <p:nvSpPr>
           <p:cNvPr id="2" name="Title 1"/>
           <p:cNvSpPr>
             <a:spLocks noGrp="1"/>
@@ -6473,9 +6810,18 @@
           <a:p>
             <a:pPr algn="l"/>
             <a:r>
-              <a:rPr sz="2200"/>
+              <a:rPr lang="en-IN" sz="2200" dirty="0"/>
+              <a:t>7. </a:t>
+            </a:r>
+            <a:r>
+              <a:rPr sz="2200" dirty="0"/>
               <a:t>Summary and Practical Applications</a:t>
             </a:r>
+            <a:r>
+              <a:rPr lang="en-IN" sz="2200" dirty="0"/>
+              <a:t> :</a:t>
+            </a:r>
+            <a:endParaRPr sz="2200" dirty="0"/>
           </a:p>
         </p:txBody>
       </p:sp>
@@ -6495,31 +6841,31 @@
           <a:lstStyle/>
           <a:p>
             <a:r>
-              <a:rPr sz="1400" b="1"/>
+              <a:rPr sz="1400" b="1" dirty="0"/>
               <a:t>Comprehensive Billing Workflow: </a:t>
             </a:r>
             <a:r>
-              <a:rPr sz="1400"/>
+              <a:rPr sz="1400" dirty="0"/>
               <a:t>Workflow integrates quantity input, tiered discounts, dual tax applications, cumulative total, and detailed output display.</a:t>
             </a:r>
           </a:p>
           <a:p>
             <a:r>
-              <a:rPr sz="1400" b="1"/>
+              <a:rPr sz="1400" b="1" dirty="0"/>
               <a:t>Retail Utility and Scalability: </a:t>
             </a:r>
             <a:r>
-              <a:rPr sz="1400"/>
+              <a:rPr sz="1400" dirty="0"/>
               <a:t>Applicable in retail environments requiring automated tiered discounting and tax computations for bulk electronics sales.</a:t>
             </a:r>
           </a:p>
           <a:p>
             <a:r>
-              <a:rPr sz="1400" b="1"/>
+              <a:rPr sz="1400" b="1" dirty="0"/>
               <a:t>Enhancements for Robustness: </a:t>
             </a:r>
             <a:r>
-              <a:rPr sz="1400"/>
+              <a:rPr sz="1400" dirty="0"/>
               <a:t>Input validation ensures data integrity; GUI development improves user interaction and broadens accessibility.</a:t>
             </a:r>
           </a:p>
@@ -6530,13 +6876,13 @@
   <p:clrMapOvr>
     <a:masterClrMapping/>
   </p:clrMapOvr>
-  <mc:AlternateContent xmlns:mc="http://schemas.openxmlformats.org/markup-compatibility/2006">
-    <mc:Choice xmlns:p15="http://schemas.microsoft.com/office/powerpoint/2012/main" Requires="p15">
+  <mc:AlternateContent xmlns:mc="http://schemas.openxmlformats.org/markup-compatibility/2006" xmlns:p15="http://schemas.microsoft.com/office/powerpoint/2012/main">
+    <mc:Choice Requires="p15">
       <p:transition xmlns:p14="http://schemas.microsoft.com/office/powerpoint/2010/main" spd="slow" p14:dur="1250">
         <p15:prstTrans prst="pageCurlDouble"/>
       </p:transition>
     </mc:Choice>
-    <mc:Fallback>
+    <mc:Fallback xmlns="">
       <p:transition spd="slow">
         <p:fade/>
       </p:transition>
